--- a/Insights.pptx
+++ b/Insights.pptx
@@ -470,7 +470,7 @@
           <a:p>
             <a:fld id="{1D8BD707-D9CF-40AE-B4C6-C98DA3205C09}" type="datetimeFigureOut">
               <a:rPr lang="en-US" smtClean="0"/>
-              <a:t>8/12/2023</a:t>
+              <a:t>9/2/2023</a:t>
             </a:fld>
             <a:endParaRPr lang="en-US"/>
           </a:p>
@@ -794,7 +794,7 @@
           <a:p>
             <a:fld id="{1D8BD707-D9CF-40AE-B4C6-C98DA3205C09}" type="datetimeFigureOut">
               <a:rPr lang="en-US" smtClean="0"/>
-              <a:t>8/12/2023</a:t>
+              <a:t>9/2/2023</a:t>
             </a:fld>
             <a:endParaRPr lang="en-US"/>
           </a:p>
@@ -1042,7 +1042,7 @@
           <a:p>
             <a:fld id="{1D8BD707-D9CF-40AE-B4C6-C98DA3205C09}" type="datetimeFigureOut">
               <a:rPr lang="en-US" smtClean="0"/>
-              <a:t>8/12/2023</a:t>
+              <a:t>9/2/2023</a:t>
             </a:fld>
             <a:endParaRPr lang="en-US"/>
           </a:p>
@@ -1381,7 +1381,7 @@
           <a:p>
             <a:fld id="{1D8BD707-D9CF-40AE-B4C6-C98DA3205C09}" type="datetimeFigureOut">
               <a:rPr lang="en-US" smtClean="0"/>
-              <a:t>8/12/2023</a:t>
+              <a:t>9/2/2023</a:t>
             </a:fld>
             <a:endParaRPr lang="en-US"/>
           </a:p>
@@ -1728,7 +1728,7 @@
           <a:p>
             <a:fld id="{1D8BD707-D9CF-40AE-B4C6-C98DA3205C09}" type="datetimeFigureOut">
               <a:rPr lang="en-US" smtClean="0"/>
-              <a:t>8/12/2023</a:t>
+              <a:t>9/2/2023</a:t>
             </a:fld>
             <a:endParaRPr lang="en-US"/>
           </a:p>
@@ -2102,7 +2102,7 @@
           <a:p>
             <a:fld id="{1D8BD707-D9CF-40AE-B4C6-C98DA3205C09}" type="datetimeFigureOut">
               <a:rPr lang="en-US" smtClean="0"/>
-              <a:t>8/12/2023</a:t>
+              <a:t>9/2/2023</a:t>
             </a:fld>
             <a:endParaRPr lang="en-US"/>
           </a:p>
@@ -2572,7 +2572,7 @@
           <a:p>
             <a:fld id="{1D8BD707-D9CF-40AE-B4C6-C98DA3205C09}" type="datetimeFigureOut">
               <a:rPr lang="en-US" smtClean="0"/>
-              <a:t>8/12/2023</a:t>
+              <a:t>9/2/2023</a:t>
             </a:fld>
             <a:endParaRPr lang="en-US"/>
           </a:p>
@@ -2777,7 +2777,7 @@
           <a:p>
             <a:fld id="{1D8BD707-D9CF-40AE-B4C6-C98DA3205C09}" type="datetimeFigureOut">
               <a:rPr lang="en-US" smtClean="0"/>
-              <a:t>8/12/2023</a:t>
+              <a:t>9/2/2023</a:t>
             </a:fld>
             <a:endParaRPr lang="en-US"/>
           </a:p>
@@ -2988,7 +2988,7 @@
           <a:p>
             <a:fld id="{1D8BD707-D9CF-40AE-B4C6-C98DA3205C09}" type="datetimeFigureOut">
               <a:rPr lang="en-US" smtClean="0"/>
-              <a:t>8/12/2023</a:t>
+              <a:t>9/2/2023</a:t>
             </a:fld>
             <a:endParaRPr lang="en-US"/>
           </a:p>
@@ -3220,7 +3220,7 @@
           <a:p>
             <a:fld id="{1D8BD707-D9CF-40AE-B4C6-C98DA3205C09}" type="datetimeFigureOut">
               <a:rPr lang="en-US" smtClean="0"/>
-              <a:t>8/12/2023</a:t>
+              <a:t>9/2/2023</a:t>
             </a:fld>
             <a:endParaRPr lang="en-US"/>
           </a:p>
@@ -3468,7 +3468,7 @@
           <a:p>
             <a:fld id="{1D8BD707-D9CF-40AE-B4C6-C98DA3205C09}" type="datetimeFigureOut">
               <a:rPr lang="en-US" smtClean="0"/>
-              <a:t>8/12/2023</a:t>
+              <a:t>9/2/2023</a:t>
             </a:fld>
             <a:endParaRPr lang="en-US"/>
           </a:p>
@@ -3766,7 +3766,7 @@
           <a:p>
             <a:fld id="{1D8BD707-D9CF-40AE-B4C6-C98DA3205C09}" type="datetimeFigureOut">
               <a:rPr lang="en-US" smtClean="0"/>
-              <a:t>8/12/2023</a:t>
+              <a:t>9/2/2023</a:t>
             </a:fld>
             <a:endParaRPr lang="en-US"/>
           </a:p>
@@ -4160,7 +4160,7 @@
           <a:p>
             <a:fld id="{1D8BD707-D9CF-40AE-B4C6-C98DA3205C09}" type="datetimeFigureOut">
               <a:rPr lang="en-US" smtClean="0"/>
-              <a:t>8/12/2023</a:t>
+              <a:t>9/2/2023</a:t>
             </a:fld>
             <a:endParaRPr lang="en-US"/>
           </a:p>
@@ -4309,7 +4309,7 @@
           <a:p>
             <a:fld id="{1D8BD707-D9CF-40AE-B4C6-C98DA3205C09}" type="datetimeFigureOut">
               <a:rPr lang="en-US" smtClean="0"/>
-              <a:t>8/12/2023</a:t>
+              <a:t>9/2/2023</a:t>
             </a:fld>
             <a:endParaRPr lang="en-US"/>
           </a:p>
@@ -4435,7 +4435,7 @@
           <a:p>
             <a:fld id="{1D8BD707-D9CF-40AE-B4C6-C98DA3205C09}" type="datetimeFigureOut">
               <a:rPr lang="en-US" smtClean="0"/>
-              <a:t>8/12/2023</a:t>
+              <a:t>9/2/2023</a:t>
             </a:fld>
             <a:endParaRPr lang="en-US"/>
           </a:p>
@@ -4690,7 +4690,7 @@
           <a:p>
             <a:fld id="{1D8BD707-D9CF-40AE-B4C6-C98DA3205C09}" type="datetimeFigureOut">
               <a:rPr lang="en-US" smtClean="0"/>
-              <a:t>8/12/2023</a:t>
+              <a:t>9/2/2023</a:t>
             </a:fld>
             <a:endParaRPr lang="en-US"/>
           </a:p>
@@ -5005,7 +5005,7 @@
           <a:p>
             <a:fld id="{1D8BD707-D9CF-40AE-B4C6-C98DA3205C09}" type="datetimeFigureOut">
               <a:rPr lang="en-US" smtClean="0"/>
-              <a:t>8/12/2023</a:t>
+              <a:t>9/2/2023</a:t>
             </a:fld>
             <a:endParaRPr lang="en-US"/>
           </a:p>
@@ -5356,7 +5356,7 @@
           <a:p>
             <a:fld id="{1D8BD707-D9CF-40AE-B4C6-C98DA3205C09}" type="datetimeFigureOut">
               <a:rPr lang="en-US" smtClean="0"/>
-              <a:t>8/12/2023</a:t>
+              <a:t>9/2/2023</a:t>
             </a:fld>
             <a:endParaRPr lang="en-US"/>
           </a:p>
@@ -7919,28 +7919,6 @@
           </a:p>
         </p:txBody>
       </p:sp>
-      <p:pic>
-        <p:nvPicPr>
-          <p:cNvPr id="10" name="object 10"/>
-          <p:cNvPicPr/>
-          <p:nvPr/>
-        </p:nvPicPr>
-        <p:blipFill>
-          <a:blip r:embed="rId2" cstate="print"/>
-          <a:stretch>
-            <a:fillRect/>
-          </a:stretch>
-        </p:blipFill>
-        <p:spPr>
-          <a:xfrm>
-            <a:off x="8098297" y="3577105"/>
-            <a:ext cx="8762719" cy="6061821"/>
-          </a:xfrm>
-          <a:prstGeom prst="rect">
-            <a:avLst/>
-          </a:prstGeom>
-        </p:spPr>
-      </p:pic>
       <p:sp>
         <p:nvSpPr>
           <p:cNvPr id="11" name="object 11"/>
@@ -8002,148 +7980,6 @@
               <a:rPr spc="-615" dirty="0"/>
               <a:t>?</a:t>
             </a:r>
-          </a:p>
-        </p:txBody>
-      </p:sp>
-      <p:sp>
-        <p:nvSpPr>
-          <p:cNvPr id="12" name="object 12"/>
-          <p:cNvSpPr txBox="1"/>
-          <p:nvPr/>
-        </p:nvSpPr>
-        <p:spPr>
-          <a:xfrm>
-            <a:off x="8840819" y="6303312"/>
-            <a:ext cx="1168400" cy="543560"/>
-          </a:xfrm>
-          <a:prstGeom prst="rect">
-            <a:avLst/>
-          </a:prstGeom>
-        </p:spPr>
-        <p:txBody>
-          <a:bodyPr vert="horz" wrap="square" lIns="0" tIns="12700" rIns="0" bIns="0" rtlCol="0">
-            <a:spAutoFit/>
-          </a:bodyPr>
-          <a:lstStyle/>
-          <a:p>
-            <a:pPr marL="12700">
-              <a:lnSpc>
-                <a:spcPct val="100000"/>
-              </a:lnSpc>
-              <a:spcBef>
-                <a:spcPts val="100"/>
-              </a:spcBef>
-            </a:pPr>
-            <a:r>
-              <a:rPr sz="3400" b="1" spc="-150" dirty="0">
-                <a:solidFill>
-                  <a:srgbClr val="FFFFFF"/>
-                </a:solidFill>
-                <a:latin typeface="Tahoma"/>
-                <a:cs typeface="Tahoma"/>
-              </a:rPr>
-              <a:t>5</a:t>
-            </a:r>
-            <a:r>
-              <a:rPr sz="3400" b="1" spc="-840" dirty="0">
-                <a:solidFill>
-                  <a:srgbClr val="FFFFFF"/>
-                </a:solidFill>
-                <a:latin typeface="Tahoma"/>
-                <a:cs typeface="Tahoma"/>
-              </a:rPr>
-              <a:t>1</a:t>
-            </a:r>
-            <a:r>
-              <a:rPr sz="3400" b="1" dirty="0">
-                <a:solidFill>
-                  <a:srgbClr val="FFFFFF"/>
-                </a:solidFill>
-                <a:latin typeface="Tahoma"/>
-                <a:cs typeface="Tahoma"/>
-              </a:rPr>
-              <a:t>6</a:t>
-            </a:r>
-            <a:r>
-              <a:rPr sz="3400" b="1" spc="-35" dirty="0">
-                <a:solidFill>
-                  <a:srgbClr val="FFFFFF"/>
-                </a:solidFill>
-                <a:latin typeface="Tahoma"/>
-                <a:cs typeface="Tahoma"/>
-              </a:rPr>
-              <a:t> </a:t>
-            </a:r>
-            <a:r>
-              <a:rPr sz="3400" b="1" spc="145" dirty="0" smtClean="0">
-                <a:solidFill>
-                  <a:srgbClr val="FFFFFF"/>
-                </a:solidFill>
-                <a:latin typeface="Tahoma"/>
-                <a:cs typeface="Tahoma"/>
-              </a:rPr>
-              <a:t>K</a:t>
-            </a:r>
-            <a:endParaRPr sz="3400" dirty="0">
-              <a:latin typeface="Tahoma"/>
-              <a:cs typeface="Tahoma"/>
-            </a:endParaRPr>
-          </a:p>
-        </p:txBody>
-      </p:sp>
-      <p:sp>
-        <p:nvSpPr>
-          <p:cNvPr id="13" name="object 13"/>
-          <p:cNvSpPr txBox="1"/>
-          <p:nvPr/>
-        </p:nvSpPr>
-        <p:spPr>
-          <a:xfrm>
-            <a:off x="13241269" y="6303312"/>
-            <a:ext cx="1203325" cy="543560"/>
-          </a:xfrm>
-          <a:prstGeom prst="rect">
-            <a:avLst/>
-          </a:prstGeom>
-        </p:spPr>
-        <p:txBody>
-          <a:bodyPr vert="horz" wrap="square" lIns="0" tIns="12700" rIns="0" bIns="0" rtlCol="0">
-            <a:spAutoFit/>
-          </a:bodyPr>
-          <a:lstStyle/>
-          <a:p>
-            <a:pPr marL="12700">
-              <a:lnSpc>
-                <a:spcPct val="100000"/>
-              </a:lnSpc>
-              <a:spcBef>
-                <a:spcPts val="100"/>
-              </a:spcBef>
-            </a:pPr>
-            <a:r>
-              <a:rPr sz="3400" b="1" spc="-114" dirty="0" smtClean="0">
-                <a:solidFill>
-                  <a:srgbClr val="FFFFFF"/>
-                </a:solidFill>
-                <a:latin typeface="Tahoma"/>
-                <a:cs typeface="Tahoma"/>
-              </a:rPr>
-              <a:t>2.6 </a:t>
-            </a:r>
-            <a:r>
-              <a:rPr sz="3400" b="1" spc="210" dirty="0" smtClean="0">
-                <a:solidFill>
-                  <a:srgbClr val="FFFFFF"/>
-                </a:solidFill>
-                <a:latin typeface="Tahoma"/>
-                <a:cs typeface="Tahoma"/>
-              </a:rPr>
-              <a:t>M</a:t>
-            </a:r>
-            <a:endParaRPr sz="3400" dirty="0">
-              <a:latin typeface="Tahoma"/>
-              <a:cs typeface="Tahoma"/>
-            </a:endParaRPr>
           </a:p>
         </p:txBody>
       </p:sp>
@@ -8639,6 +8475,30 @@
           </a:p>
         </p:txBody>
       </p:sp>
+      <p:pic>
+        <p:nvPicPr>
+          <p:cNvPr id="5" name="Picture 4"/>
+          <p:cNvPicPr>
+            <a:picLocks noChangeAspect="1"/>
+          </p:cNvPicPr>
+          <p:nvPr/>
+        </p:nvPicPr>
+        <p:blipFill>
+          <a:blip r:embed="rId2"/>
+          <a:stretch>
+            <a:fillRect/>
+          </a:stretch>
+        </p:blipFill>
+        <p:spPr>
+          <a:xfrm>
+            <a:off x="9588579" y="3776463"/>
+            <a:ext cx="7732065" cy="6091437"/>
+          </a:xfrm>
+          <a:prstGeom prst="rect">
+            <a:avLst/>
+          </a:prstGeom>
+        </p:spPr>
+      </p:pic>
     </p:spTree>
   </p:cSld>
   <p:clrMapOvr>
@@ -9491,50 +9351,6 @@
           </a:p>
         </p:txBody>
       </p:sp>
-      <p:pic>
-        <p:nvPicPr>
-          <p:cNvPr id="7" name="object 7"/>
-          <p:cNvPicPr/>
-          <p:nvPr/>
-        </p:nvPicPr>
-        <p:blipFill>
-          <a:blip r:embed="rId2" cstate="print"/>
-          <a:stretch>
-            <a:fillRect/>
-          </a:stretch>
-        </p:blipFill>
-        <p:spPr>
-          <a:xfrm>
-            <a:off x="3460541" y="3549020"/>
-            <a:ext cx="3104774" cy="2653392"/>
-          </a:xfrm>
-          <a:prstGeom prst="rect">
-            <a:avLst/>
-          </a:prstGeom>
-        </p:spPr>
-      </p:pic>
-      <p:pic>
-        <p:nvPicPr>
-          <p:cNvPr id="8" name="object 8"/>
-          <p:cNvPicPr/>
-          <p:nvPr/>
-        </p:nvPicPr>
-        <p:blipFill>
-          <a:blip r:embed="rId3" cstate="print"/>
-          <a:stretch>
-            <a:fillRect/>
-          </a:stretch>
-        </p:blipFill>
-        <p:spPr>
-          <a:xfrm>
-            <a:off x="11061531" y="3588851"/>
-            <a:ext cx="4049347" cy="2620362"/>
-          </a:xfrm>
-          <a:prstGeom prst="rect">
-            <a:avLst/>
-          </a:prstGeom>
-        </p:spPr>
-      </p:pic>
       <p:sp>
         <p:nvSpPr>
           <p:cNvPr id="9" name="object 9"/>
@@ -9574,269 +9390,6 @@
           <a:lstStyle/>
           <a:p>
             <a:endParaRPr/>
-          </a:p>
-        </p:txBody>
-      </p:sp>
-      <p:pic>
-        <p:nvPicPr>
-          <p:cNvPr id="10" name="object 10"/>
-          <p:cNvPicPr/>
-          <p:nvPr/>
-        </p:nvPicPr>
-        <p:blipFill>
-          <a:blip r:embed="rId4" cstate="print"/>
-          <a:stretch>
-            <a:fillRect/>
-          </a:stretch>
-        </p:blipFill>
-        <p:spPr>
-          <a:xfrm>
-            <a:off x="13593691" y="8827780"/>
-            <a:ext cx="2942675" cy="866774"/>
-          </a:xfrm>
-          <a:prstGeom prst="rect">
-            <a:avLst/>
-          </a:prstGeom>
-        </p:spPr>
-      </p:pic>
-      <p:sp>
-        <p:nvSpPr>
-          <p:cNvPr id="11" name="object 11"/>
-          <p:cNvSpPr txBox="1"/>
-          <p:nvPr/>
-        </p:nvSpPr>
-        <p:spPr>
-          <a:xfrm>
-            <a:off x="3884667" y="4789108"/>
-            <a:ext cx="689610" cy="406400"/>
-          </a:xfrm>
-          <a:prstGeom prst="rect">
-            <a:avLst/>
-          </a:prstGeom>
-        </p:spPr>
-        <p:txBody>
-          <a:bodyPr vert="horz" wrap="square" lIns="0" tIns="12700" rIns="0" bIns="0" rtlCol="0">
-            <a:spAutoFit/>
-          </a:bodyPr>
-          <a:lstStyle/>
-          <a:p>
-            <a:pPr marL="12700">
-              <a:lnSpc>
-                <a:spcPct val="100000"/>
-              </a:lnSpc>
-              <a:spcBef>
-                <a:spcPts val="100"/>
-              </a:spcBef>
-            </a:pPr>
-            <a:r>
-              <a:rPr sz="2500" b="1" spc="-50" dirty="0">
-                <a:solidFill>
-                  <a:srgbClr val="FFFFFF"/>
-                </a:solidFill>
-                <a:latin typeface="Tahoma"/>
-                <a:cs typeface="Tahoma"/>
-              </a:rPr>
-              <a:t>7</a:t>
-            </a:r>
-            <a:r>
-              <a:rPr sz="2500" b="1" spc="-110" dirty="0">
-                <a:solidFill>
-                  <a:srgbClr val="FFFFFF"/>
-                </a:solidFill>
-                <a:latin typeface="Tahoma"/>
-                <a:cs typeface="Tahoma"/>
-              </a:rPr>
-              <a:t>5</a:t>
-            </a:r>
-            <a:r>
-              <a:rPr sz="2500" b="1" spc="-805" dirty="0">
-                <a:solidFill>
-                  <a:srgbClr val="FFFFFF"/>
-                </a:solidFill>
-                <a:latin typeface="Tahoma"/>
-                <a:cs typeface="Tahoma"/>
-              </a:rPr>
-              <a:t>%</a:t>
-            </a:r>
-            <a:endParaRPr sz="2500">
-              <a:latin typeface="Tahoma"/>
-              <a:cs typeface="Tahoma"/>
-            </a:endParaRPr>
-          </a:p>
-        </p:txBody>
-      </p:sp>
-      <p:sp>
-        <p:nvSpPr>
-          <p:cNvPr id="12" name="object 12"/>
-          <p:cNvSpPr txBox="1"/>
-          <p:nvPr/>
-        </p:nvSpPr>
-        <p:spPr>
-          <a:xfrm>
-            <a:off x="4952934" y="4183436"/>
-            <a:ext cx="680085" cy="406400"/>
-          </a:xfrm>
-          <a:prstGeom prst="rect">
-            <a:avLst/>
-          </a:prstGeom>
-        </p:spPr>
-        <p:txBody>
-          <a:bodyPr vert="horz" wrap="square" lIns="0" tIns="12700" rIns="0" bIns="0" rtlCol="0">
-            <a:spAutoFit/>
-          </a:bodyPr>
-          <a:lstStyle/>
-          <a:p>
-            <a:pPr marL="12700">
-              <a:lnSpc>
-                <a:spcPct val="100000"/>
-              </a:lnSpc>
-              <a:spcBef>
-                <a:spcPts val="100"/>
-              </a:spcBef>
-            </a:pPr>
-            <a:r>
-              <a:rPr sz="2500" b="1" spc="-125" dirty="0">
-                <a:solidFill>
-                  <a:srgbClr val="FFFFFF"/>
-                </a:solidFill>
-                <a:latin typeface="Tahoma"/>
-                <a:cs typeface="Tahoma"/>
-              </a:rPr>
-              <a:t>2</a:t>
-            </a:r>
-            <a:r>
-              <a:rPr sz="2500" b="1" spc="-110" dirty="0">
-                <a:solidFill>
-                  <a:srgbClr val="FFFFFF"/>
-                </a:solidFill>
-                <a:latin typeface="Tahoma"/>
-                <a:cs typeface="Tahoma"/>
-              </a:rPr>
-              <a:t>5</a:t>
-            </a:r>
-            <a:r>
-              <a:rPr sz="2500" b="1" spc="-805" dirty="0">
-                <a:solidFill>
-                  <a:srgbClr val="FFFFFF"/>
-                </a:solidFill>
-                <a:latin typeface="Tahoma"/>
-                <a:cs typeface="Tahoma"/>
-              </a:rPr>
-              <a:t>%</a:t>
-            </a:r>
-            <a:endParaRPr sz="2500">
-              <a:latin typeface="Tahoma"/>
-              <a:cs typeface="Tahoma"/>
-            </a:endParaRPr>
-          </a:p>
-        </p:txBody>
-      </p:sp>
-      <p:sp>
-        <p:nvSpPr>
-          <p:cNvPr id="13" name="object 13"/>
-          <p:cNvSpPr txBox="1"/>
-          <p:nvPr/>
-        </p:nvSpPr>
-        <p:spPr>
-          <a:xfrm>
-            <a:off x="12017633" y="4687205"/>
-            <a:ext cx="1841500" cy="406400"/>
-          </a:xfrm>
-          <a:prstGeom prst="rect">
-            <a:avLst/>
-          </a:prstGeom>
-        </p:spPr>
-        <p:txBody>
-          <a:bodyPr vert="horz" wrap="square" lIns="0" tIns="12700" rIns="0" bIns="0" rtlCol="0">
-            <a:spAutoFit/>
-          </a:bodyPr>
-          <a:lstStyle/>
-          <a:p>
-            <a:pPr marL="12700">
-              <a:lnSpc>
-                <a:spcPct val="100000"/>
-              </a:lnSpc>
-              <a:spcBef>
-                <a:spcPts val="100"/>
-              </a:spcBef>
-              <a:tabLst>
-                <a:tab pos="1236345" algn="l"/>
-              </a:tabLst>
-            </a:pPr>
-            <a:r>
-              <a:rPr sz="2500" b="1" spc="125" dirty="0">
-                <a:solidFill>
-                  <a:srgbClr val="FFFFFF"/>
-                </a:solidFill>
-                <a:latin typeface="Tahoma"/>
-                <a:cs typeface="Tahoma"/>
-              </a:rPr>
-              <a:t>4</a:t>
-            </a:r>
-            <a:r>
-              <a:rPr sz="2500" b="1" spc="-5" dirty="0">
-                <a:solidFill>
-                  <a:srgbClr val="FFFFFF"/>
-                </a:solidFill>
-                <a:latin typeface="Tahoma"/>
-                <a:cs typeface="Tahoma"/>
-              </a:rPr>
-              <a:t>9</a:t>
-            </a:r>
-            <a:r>
-              <a:rPr sz="2500" b="1" spc="-805" dirty="0">
-                <a:solidFill>
-                  <a:srgbClr val="FFFFFF"/>
-                </a:solidFill>
-                <a:latin typeface="Tahoma"/>
-                <a:cs typeface="Tahoma"/>
-              </a:rPr>
-              <a:t>%</a:t>
-            </a:r>
-            <a:r>
-              <a:rPr sz="2500" b="1" dirty="0">
-                <a:solidFill>
-                  <a:srgbClr val="FFFFFF"/>
-                </a:solidFill>
-                <a:latin typeface="Tahoma"/>
-                <a:cs typeface="Tahoma"/>
-              </a:rPr>
-              <a:t>	</a:t>
-            </a:r>
-            <a:r>
-              <a:rPr sz="2500" b="1" spc="-110" dirty="0">
-                <a:solidFill>
-                  <a:srgbClr val="FFFFFF"/>
-                </a:solidFill>
-                <a:latin typeface="Tahoma"/>
-                <a:cs typeface="Tahoma"/>
-              </a:rPr>
-              <a:t>5</a:t>
-            </a:r>
-            <a:r>
-              <a:rPr sz="2500" b="1" spc="-620" dirty="0">
-                <a:solidFill>
-                  <a:srgbClr val="FFFFFF"/>
-                </a:solidFill>
-                <a:latin typeface="Tahoma"/>
-                <a:cs typeface="Tahoma"/>
-              </a:rPr>
-              <a:t>1</a:t>
-            </a:r>
-            <a:r>
-              <a:rPr sz="2500" b="1" spc="-805" dirty="0">
-                <a:solidFill>
-                  <a:srgbClr val="FFFFFF"/>
-                </a:solidFill>
-                <a:latin typeface="Tahoma"/>
-                <a:cs typeface="Tahoma"/>
-              </a:rPr>
-              <a:t>%</a:t>
-            </a:r>
-            <a:endParaRPr sz="2500">
-              <a:latin typeface="Tahoma"/>
-              <a:cs typeface="Tahoma"/>
-            </a:endParaRPr>
           </a:p>
         </p:txBody>
       </p:sp>
@@ -9874,37 +9427,12 @@
               </a:spcBef>
             </a:pPr>
             <a:r>
-              <a:rPr sz="3600" b="1" spc="135" dirty="0">
-                <a:solidFill>
-                  <a:srgbClr val="000000"/>
-                </a:solidFill>
+              <a:rPr lang="en-US" sz="3600" b="1" dirty="0" smtClean="0">
                 <a:latin typeface="Tahoma" panose="020B0604030504040204" pitchFamily="34" charset="0"/>
                 <a:ea typeface="Tahoma" panose="020B0604030504040204" pitchFamily="34" charset="0"/>
                 <a:cs typeface="Tahoma" panose="020B0604030504040204" pitchFamily="34" charset="0"/>
               </a:rPr>
-              <a:t>Cold</a:t>
-            </a:r>
-            <a:r>
-              <a:rPr sz="3600" b="1" spc="-114" dirty="0">
-                <a:solidFill>
-                  <a:srgbClr val="000000"/>
-                </a:solidFill>
-                <a:latin typeface="Tahoma" panose="020B0604030504040204" pitchFamily="34" charset="0"/>
-                <a:ea typeface="Tahoma" panose="020B0604030504040204" pitchFamily="34" charset="0"/>
-                <a:cs typeface="Tahoma" panose="020B0604030504040204" pitchFamily="34" charset="0"/>
-              </a:rPr>
-              <a:t> </a:t>
-            </a:r>
-            <a:r>
-              <a:rPr sz="3600" b="1" spc="130" dirty="0">
-                <a:solidFill>
-                  <a:srgbClr val="000000"/>
-                </a:solidFill>
-                <a:latin typeface="Tahoma" panose="020B0604030504040204" pitchFamily="34" charset="0"/>
-                <a:ea typeface="Tahoma" panose="020B0604030504040204" pitchFamily="34" charset="0"/>
-                <a:cs typeface="Tahoma" panose="020B0604030504040204" pitchFamily="34" charset="0"/>
-              </a:rPr>
-              <a:t>Months</a:t>
+              <a:t>Casual </a:t>
             </a:r>
             <a:endParaRPr sz="3600" b="1" dirty="0">
               <a:latin typeface="Tahoma" panose="020B0604030504040204" pitchFamily="34" charset="0"/>
@@ -9980,7 +9508,7 @@
         <p:spPr>
           <a:xfrm>
             <a:off x="1634901" y="6577513"/>
-            <a:ext cx="6236970" cy="1206500"/>
+            <a:ext cx="6236970" cy="1138581"/>
           </a:xfrm>
           <a:prstGeom prst="rect">
             <a:avLst/>
@@ -10001,17 +9529,17 @@
               </a:spcBef>
             </a:pPr>
             <a:r>
-              <a:rPr sz="3200" spc="305" dirty="0">
-                <a:solidFill>
-                  <a:srgbClr val="202020"/>
-                </a:solidFill>
-                <a:latin typeface="Tahoma"/>
-                <a:cs typeface="Tahoma"/>
-              </a:rPr>
-              <a:t>Members</a:t>
-            </a:r>
-            <a:r>
-              <a:rPr sz="3200" spc="-130" dirty="0">
+              <a:rPr lang="en-US" sz="3200" spc="305" dirty="0" smtClean="0">
+                <a:solidFill>
+                  <a:srgbClr val="202020"/>
+                </a:solidFill>
+                <a:latin typeface="Tahoma"/>
+                <a:cs typeface="Tahoma"/>
+              </a:rPr>
+              <a:t>Casual riders</a:t>
+            </a:r>
+            <a:r>
+              <a:rPr sz="3200" spc="-130" dirty="0" smtClean="0">
                 <a:solidFill>
                   <a:srgbClr val="202020"/>
                 </a:solidFill>
@@ -10101,226 +9629,16 @@
               <a:t> </a:t>
             </a:r>
             <a:r>
-              <a:rPr sz="3200" spc="110" dirty="0">
-                <a:solidFill>
-                  <a:srgbClr val="202020"/>
-                </a:solidFill>
-                <a:latin typeface="Tahoma"/>
-                <a:cs typeface="Tahoma"/>
-              </a:rPr>
-              <a:t>as </a:t>
-            </a:r>
-            <a:r>
-              <a:rPr sz="3200" spc="-985" dirty="0">
-                <a:solidFill>
-                  <a:srgbClr val="202020"/>
-                </a:solidFill>
-                <a:latin typeface="Tahoma"/>
-                <a:cs typeface="Tahoma"/>
-              </a:rPr>
-              <a:t> </a:t>
-            </a:r>
-            <a:r>
-              <a:rPr sz="3200" spc="320" dirty="0">
-                <a:solidFill>
-                  <a:srgbClr val="202020"/>
-                </a:solidFill>
-                <a:latin typeface="Tahoma"/>
-                <a:cs typeface="Tahoma"/>
-              </a:rPr>
-              <a:t>compared</a:t>
-            </a:r>
-            <a:r>
-              <a:rPr sz="3200" spc="-120" dirty="0">
-                <a:solidFill>
-                  <a:srgbClr val="202020"/>
-                </a:solidFill>
-                <a:latin typeface="Tahoma"/>
-                <a:cs typeface="Tahoma"/>
-              </a:rPr>
-              <a:t> </a:t>
-            </a:r>
-            <a:r>
-              <a:rPr sz="3200" spc="225" dirty="0">
-                <a:solidFill>
-                  <a:srgbClr val="202020"/>
-                </a:solidFill>
-                <a:latin typeface="Tahoma"/>
-                <a:cs typeface="Tahoma"/>
-              </a:rPr>
-              <a:t>to</a:t>
-            </a:r>
-            <a:r>
-              <a:rPr sz="3200" spc="-120" dirty="0">
-                <a:solidFill>
-                  <a:srgbClr val="202020"/>
-                </a:solidFill>
-                <a:latin typeface="Tahoma"/>
-                <a:cs typeface="Tahoma"/>
-              </a:rPr>
-              <a:t> </a:t>
-            </a:r>
-            <a:r>
-              <a:rPr sz="3200" spc="200" dirty="0">
-                <a:solidFill>
-                  <a:srgbClr val="202020"/>
-                </a:solidFill>
-                <a:latin typeface="Tahoma"/>
-                <a:cs typeface="Tahoma"/>
-              </a:rPr>
-              <a:t>Casual</a:t>
-            </a:r>
-            <a:r>
-              <a:rPr sz="3200" spc="-120" dirty="0">
-                <a:solidFill>
-                  <a:srgbClr val="202020"/>
-                </a:solidFill>
-                <a:latin typeface="Tahoma"/>
-                <a:cs typeface="Tahoma"/>
-              </a:rPr>
-              <a:t> </a:t>
-            </a:r>
-            <a:r>
-              <a:rPr sz="3200" spc="150" dirty="0">
-                <a:solidFill>
-                  <a:srgbClr val="202020"/>
-                </a:solidFill>
-                <a:latin typeface="Tahoma"/>
-                <a:cs typeface="Tahoma"/>
-              </a:rPr>
-              <a:t>riders</a:t>
-            </a:r>
-            <a:endParaRPr sz="3200">
-              <a:latin typeface="Tahoma"/>
-              <a:cs typeface="Tahoma"/>
-            </a:endParaRPr>
-          </a:p>
-        </p:txBody>
-      </p:sp>
-      <p:sp>
-        <p:nvSpPr>
-          <p:cNvPr id="17" name="object 17"/>
-          <p:cNvSpPr txBox="1"/>
-          <p:nvPr/>
-        </p:nvSpPr>
-        <p:spPr>
-          <a:xfrm>
-            <a:off x="10515282" y="6596563"/>
-            <a:ext cx="5026660" cy="1206500"/>
-          </a:xfrm>
-          <a:prstGeom prst="rect">
-            <a:avLst/>
-          </a:prstGeom>
-        </p:spPr>
-        <p:txBody>
-          <a:bodyPr vert="horz" wrap="square" lIns="0" tIns="114300" rIns="0" bIns="0" rtlCol="0">
-            <a:spAutoFit/>
-          </a:bodyPr>
-          <a:lstStyle/>
-          <a:p>
-            <a:pPr marL="12700">
-              <a:lnSpc>
-                <a:spcPct val="100000"/>
-              </a:lnSpc>
-              <a:spcBef>
-                <a:spcPts val="900"/>
-              </a:spcBef>
-            </a:pPr>
-            <a:r>
-              <a:rPr sz="3200" spc="200" dirty="0">
-                <a:solidFill>
-                  <a:srgbClr val="202020"/>
-                </a:solidFill>
-                <a:latin typeface="Tahoma"/>
-                <a:cs typeface="Tahoma"/>
-              </a:rPr>
-              <a:t>Casual</a:t>
-            </a:r>
-            <a:r>
-              <a:rPr sz="3200" spc="-130" dirty="0">
-                <a:solidFill>
-                  <a:srgbClr val="202020"/>
-                </a:solidFill>
-                <a:latin typeface="Tahoma"/>
-                <a:cs typeface="Tahoma"/>
-              </a:rPr>
-              <a:t> </a:t>
-            </a:r>
-            <a:r>
-              <a:rPr sz="3200" spc="150" dirty="0">
-                <a:solidFill>
-                  <a:srgbClr val="202020"/>
-                </a:solidFill>
-                <a:latin typeface="Tahoma"/>
-                <a:cs typeface="Tahoma"/>
-              </a:rPr>
-              <a:t>riders</a:t>
-            </a:r>
-            <a:r>
-              <a:rPr sz="3200" spc="-130" dirty="0">
-                <a:solidFill>
-                  <a:srgbClr val="202020"/>
-                </a:solidFill>
-                <a:latin typeface="Tahoma"/>
-                <a:cs typeface="Tahoma"/>
-              </a:rPr>
-              <a:t> </a:t>
-            </a:r>
-            <a:r>
-              <a:rPr sz="3200" spc="150" dirty="0">
-                <a:solidFill>
-                  <a:srgbClr val="202020"/>
-                </a:solidFill>
-                <a:latin typeface="Tahoma"/>
-                <a:cs typeface="Tahoma"/>
-              </a:rPr>
-              <a:t>are</a:t>
-            </a:r>
-            <a:r>
-              <a:rPr sz="3200" spc="-130" dirty="0">
-                <a:solidFill>
-                  <a:srgbClr val="202020"/>
-                </a:solidFill>
-                <a:latin typeface="Tahoma"/>
-                <a:cs typeface="Tahoma"/>
-              </a:rPr>
-              <a:t> </a:t>
-            </a:r>
-            <a:r>
-              <a:rPr sz="3200" b="1" spc="85" dirty="0">
-                <a:solidFill>
-                  <a:srgbClr val="202020"/>
-                </a:solidFill>
-                <a:latin typeface="Tahoma"/>
-                <a:cs typeface="Tahoma"/>
-              </a:rPr>
-              <a:t>slightly</a:t>
-            </a:r>
-            <a:endParaRPr sz="3200">
-              <a:latin typeface="Tahoma"/>
-              <a:cs typeface="Tahoma"/>
-            </a:endParaRPr>
-          </a:p>
-          <a:p>
-            <a:pPr marL="12700">
-              <a:lnSpc>
-                <a:spcPct val="100000"/>
-              </a:lnSpc>
-              <a:spcBef>
-                <a:spcPts val="810"/>
-              </a:spcBef>
-            </a:pPr>
-            <a:r>
-              <a:rPr sz="3200" spc="254" dirty="0">
-                <a:solidFill>
-                  <a:srgbClr val="202020"/>
-                </a:solidFill>
-                <a:latin typeface="Tahoma"/>
-                <a:cs typeface="Tahoma"/>
-              </a:rPr>
-              <a:t>outnumbered.</a:t>
-            </a:r>
-            <a:endParaRPr sz="3200">
+              <a:rPr lang="en-US" sz="3200" spc="110" dirty="0" smtClean="0">
+                <a:solidFill>
+                  <a:srgbClr val="202020"/>
+                </a:solidFill>
+                <a:latin typeface="Tahoma"/>
+                <a:cs typeface="Tahoma"/>
+              </a:rPr>
+              <a:t>in hot weather.</a:t>
+            </a:r>
+            <a:endParaRPr sz="3200" dirty="0">
               <a:latin typeface="Tahoma"/>
               <a:cs typeface="Tahoma"/>
             </a:endParaRPr>
@@ -10336,7 +9654,7 @@
         <p:spPr>
           <a:xfrm>
             <a:off x="5820836" y="155781"/>
-            <a:ext cx="6103281" cy="1119922"/>
+            <a:ext cx="6103281" cy="507960"/>
           </a:xfrm>
           <a:prstGeom prst="rect">
             <a:avLst/>
@@ -10357,116 +9675,107 @@
               </a:spcBef>
             </a:pPr>
             <a:r>
-              <a:rPr sz="3050" b="1" spc="215" dirty="0">
-                <a:solidFill>
-                  <a:srgbClr val="202020"/>
-                </a:solidFill>
-                <a:latin typeface="Tahoma"/>
-                <a:cs typeface="Tahoma"/>
-              </a:rPr>
-              <a:t>Proportion</a:t>
-            </a:r>
-            <a:r>
-              <a:rPr sz="3050" b="1" spc="-140" dirty="0">
-                <a:solidFill>
-                  <a:srgbClr val="202020"/>
-                </a:solidFill>
-                <a:latin typeface="Tahoma"/>
-                <a:cs typeface="Tahoma"/>
-              </a:rPr>
-              <a:t> </a:t>
-            </a:r>
-            <a:r>
-              <a:rPr sz="3050" b="1" spc="130" dirty="0">
-                <a:solidFill>
-                  <a:srgbClr val="202020"/>
-                </a:solidFill>
-                <a:latin typeface="Tahoma"/>
-                <a:cs typeface="Tahoma"/>
-              </a:rPr>
-              <a:t>of</a:t>
-            </a:r>
-            <a:r>
-              <a:rPr sz="3050" b="1" spc="-140" dirty="0">
-                <a:solidFill>
-                  <a:srgbClr val="202020"/>
-                </a:solidFill>
-                <a:latin typeface="Tahoma"/>
-                <a:cs typeface="Tahoma"/>
-              </a:rPr>
-              <a:t> </a:t>
-            </a:r>
-            <a:r>
-              <a:rPr sz="3050" b="1" spc="155" dirty="0">
-                <a:solidFill>
-                  <a:srgbClr val="202020"/>
-                </a:solidFill>
-                <a:latin typeface="Tahoma"/>
-                <a:cs typeface="Tahoma"/>
-              </a:rPr>
-              <a:t>rides </a:t>
-            </a:r>
-            <a:r>
-              <a:rPr sz="3050" b="1" spc="-940" dirty="0">
-                <a:solidFill>
-                  <a:srgbClr val="202020"/>
-                </a:solidFill>
-                <a:latin typeface="Tahoma"/>
-                <a:cs typeface="Tahoma"/>
-              </a:rPr>
-              <a:t> </a:t>
-            </a:r>
-            <a:r>
-              <a:rPr sz="3050" b="1" spc="204" dirty="0">
-                <a:solidFill>
-                  <a:srgbClr val="202020"/>
-                </a:solidFill>
-                <a:latin typeface="Tahoma"/>
-                <a:cs typeface="Tahoma"/>
-              </a:rPr>
-              <a:t>by</a:t>
-            </a:r>
-            <a:r>
-              <a:rPr sz="3050" b="1" spc="-130" dirty="0">
-                <a:solidFill>
-                  <a:srgbClr val="202020"/>
-                </a:solidFill>
-                <a:latin typeface="Tahoma"/>
-                <a:cs typeface="Tahoma"/>
-              </a:rPr>
-              <a:t> </a:t>
-            </a:r>
-            <a:r>
-              <a:rPr sz="3050" b="1" spc="215" dirty="0">
-                <a:solidFill>
-                  <a:srgbClr val="202020"/>
-                </a:solidFill>
-                <a:latin typeface="Tahoma"/>
-                <a:cs typeface="Tahoma"/>
-              </a:rPr>
-              <a:t>Rider</a:t>
-            </a:r>
-            <a:r>
-              <a:rPr sz="3050" b="1" spc="-125" dirty="0">
-                <a:solidFill>
-                  <a:srgbClr val="202020"/>
-                </a:solidFill>
-                <a:latin typeface="Tahoma"/>
-                <a:cs typeface="Tahoma"/>
-              </a:rPr>
-              <a:t> </a:t>
-            </a:r>
-            <a:r>
-              <a:rPr sz="3050" b="1" spc="195" dirty="0">
-                <a:solidFill>
-                  <a:srgbClr val="202020"/>
-                </a:solidFill>
-                <a:latin typeface="Tahoma"/>
-                <a:cs typeface="Tahoma"/>
-              </a:rPr>
-              <a:t>type</a:t>
+              <a:rPr lang="en-US" sz="3050" b="1" dirty="0" smtClean="0">
+                <a:latin typeface="Tahoma"/>
+                <a:cs typeface="Tahoma"/>
+              </a:rPr>
+              <a:t>COLD VS HOT</a:t>
             </a:r>
             <a:endParaRPr sz="3050" b="1" dirty="0">
+              <a:latin typeface="Tahoma"/>
+              <a:cs typeface="Tahoma"/>
+            </a:endParaRPr>
+          </a:p>
+        </p:txBody>
+      </p:sp>
+      <p:pic>
+        <p:nvPicPr>
+          <p:cNvPr id="20" name="Picture 19"/>
+          <p:cNvPicPr>
+            <a:picLocks noChangeAspect="1"/>
+          </p:cNvPicPr>
+          <p:nvPr/>
+        </p:nvPicPr>
+        <p:blipFill>
+          <a:blip r:embed="rId2"/>
+          <a:stretch>
+            <a:fillRect/>
+          </a:stretch>
+        </p:blipFill>
+        <p:spPr>
+          <a:xfrm>
+            <a:off x="2895600" y="3614420"/>
+            <a:ext cx="4724400" cy="2672080"/>
+          </a:xfrm>
+          <a:prstGeom prst="rect">
+            <a:avLst/>
+          </a:prstGeom>
+        </p:spPr>
+      </p:pic>
+      <p:pic>
+        <p:nvPicPr>
+          <p:cNvPr id="21" name="Picture 20"/>
+          <p:cNvPicPr>
+            <a:picLocks noChangeAspect="1"/>
+          </p:cNvPicPr>
+          <p:nvPr/>
+        </p:nvPicPr>
+        <p:blipFill>
+          <a:blip r:embed="rId3"/>
+          <a:stretch>
+            <a:fillRect/>
+          </a:stretch>
+        </p:blipFill>
+        <p:spPr>
+          <a:xfrm>
+            <a:off x="11179640" y="3831064"/>
+            <a:ext cx="4746160" cy="2455436"/>
+          </a:xfrm>
+          <a:prstGeom prst="rect">
+            <a:avLst/>
+          </a:prstGeom>
+        </p:spPr>
+      </p:pic>
+      <p:sp>
+        <p:nvSpPr>
+          <p:cNvPr id="22" name="Rectangle 21"/>
+          <p:cNvSpPr/>
+          <p:nvPr/>
+        </p:nvSpPr>
+        <p:spPr>
+          <a:xfrm>
+            <a:off x="10527187" y="6605285"/>
+            <a:ext cx="6475958" cy="1135054"/>
+          </a:xfrm>
+          <a:prstGeom prst="rect">
+            <a:avLst/>
+          </a:prstGeom>
+        </p:spPr>
+        <p:txBody>
+          <a:bodyPr wrap="square">
+            <a:spAutoFit/>
+          </a:bodyPr>
+          <a:lstStyle/>
+          <a:p>
+            <a:pPr marL="12700" marR="5080">
+              <a:lnSpc>
+                <a:spcPct val="121100"/>
+              </a:lnSpc>
+              <a:spcBef>
+                <a:spcPts val="90"/>
+              </a:spcBef>
+            </a:pPr>
+            <a:r>
+              <a:rPr lang="en-US" sz="2800" spc="305" dirty="0" smtClean="0">
+                <a:solidFill>
+                  <a:srgbClr val="202020"/>
+                </a:solidFill>
+                <a:latin typeface="Tahoma"/>
+                <a:cs typeface="Tahoma"/>
+              </a:rPr>
+              <a:t>Members also follow the same trend but with high number.</a:t>
+            </a:r>
+            <a:endParaRPr lang="en-US" dirty="0">
               <a:latin typeface="Tahoma"/>
               <a:cs typeface="Tahoma"/>
             </a:endParaRPr>
@@ -38256,28 +37565,6 @@
           </a:p>
         </p:txBody>
       </p:sp>
-      <p:pic>
-        <p:nvPicPr>
-          <p:cNvPr id="10" name="object 10"/>
-          <p:cNvPicPr/>
-          <p:nvPr/>
-        </p:nvPicPr>
-        <p:blipFill>
-          <a:blip r:embed="rId2" cstate="print"/>
-          <a:stretch>
-            <a:fillRect/>
-          </a:stretch>
-        </p:blipFill>
-        <p:spPr>
-          <a:xfrm>
-            <a:off x="11208708" y="3396248"/>
-            <a:ext cx="4869942" cy="4868217"/>
-          </a:xfrm>
-          <a:prstGeom prst="rect">
-            <a:avLst/>
-          </a:prstGeom>
-        </p:spPr>
-      </p:pic>
       <p:sp>
         <p:nvSpPr>
           <p:cNvPr id="11" name="object 11"/>
@@ -38734,128 +38021,6 @@
               <a:t>category</a:t>
             </a:r>
             <a:endParaRPr sz="2600">
-              <a:latin typeface="Tahoma"/>
-              <a:cs typeface="Tahoma"/>
-            </a:endParaRPr>
-          </a:p>
-        </p:txBody>
-      </p:sp>
-      <p:sp>
-        <p:nvSpPr>
-          <p:cNvPr id="14" name="object 14"/>
-          <p:cNvSpPr txBox="1"/>
-          <p:nvPr/>
-        </p:nvSpPr>
-        <p:spPr>
-          <a:xfrm>
-            <a:off x="12050246" y="5567711"/>
-            <a:ext cx="918210" cy="543560"/>
-          </a:xfrm>
-          <a:prstGeom prst="rect">
-            <a:avLst/>
-          </a:prstGeom>
-        </p:spPr>
-        <p:txBody>
-          <a:bodyPr vert="horz" wrap="square" lIns="0" tIns="12700" rIns="0" bIns="0" rtlCol="0">
-            <a:spAutoFit/>
-          </a:bodyPr>
-          <a:lstStyle/>
-          <a:p>
-            <a:pPr marL="12700">
-              <a:lnSpc>
-                <a:spcPct val="100000"/>
-              </a:lnSpc>
-              <a:spcBef>
-                <a:spcPts val="100"/>
-              </a:spcBef>
-            </a:pPr>
-            <a:r>
-              <a:rPr sz="3400" b="1" spc="-150" dirty="0">
-                <a:solidFill>
-                  <a:srgbClr val="FFFFFF"/>
-                </a:solidFill>
-                <a:latin typeface="Tahoma"/>
-                <a:cs typeface="Tahoma"/>
-              </a:rPr>
-              <a:t>55</a:t>
-            </a:r>
-            <a:r>
-              <a:rPr sz="3400" b="1" spc="-1095" dirty="0">
-                <a:solidFill>
-                  <a:srgbClr val="FFFFFF"/>
-                </a:solidFill>
-                <a:latin typeface="Tahoma"/>
-                <a:cs typeface="Tahoma"/>
-              </a:rPr>
-              <a:t>%</a:t>
-            </a:r>
-            <a:endParaRPr sz="3400">
-              <a:latin typeface="Tahoma"/>
-              <a:cs typeface="Tahoma"/>
-            </a:endParaRPr>
-          </a:p>
-        </p:txBody>
-      </p:sp>
-      <p:sp>
-        <p:nvSpPr>
-          <p:cNvPr id="15" name="object 15"/>
-          <p:cNvSpPr txBox="1"/>
-          <p:nvPr/>
-        </p:nvSpPr>
-        <p:spPr>
-          <a:xfrm>
-            <a:off x="14330708" y="5567711"/>
-            <a:ext cx="958850" cy="543560"/>
-          </a:xfrm>
-          <a:prstGeom prst="rect">
-            <a:avLst/>
-          </a:prstGeom>
-        </p:spPr>
-        <p:txBody>
-          <a:bodyPr vert="horz" wrap="square" lIns="0" tIns="12700" rIns="0" bIns="0" rtlCol="0">
-            <a:spAutoFit/>
-          </a:bodyPr>
-          <a:lstStyle/>
-          <a:p>
-            <a:pPr marL="12700">
-              <a:lnSpc>
-                <a:spcPct val="100000"/>
-              </a:lnSpc>
-              <a:spcBef>
-                <a:spcPts val="100"/>
-              </a:spcBef>
-            </a:pPr>
-            <a:r>
-              <a:rPr sz="3400" b="1" spc="170" dirty="0">
-                <a:solidFill>
-                  <a:srgbClr val="FFFFFF"/>
-                </a:solidFill>
-                <a:latin typeface="Tahoma"/>
-                <a:cs typeface="Tahoma"/>
-              </a:rPr>
-              <a:t>4</a:t>
-            </a:r>
-            <a:r>
-              <a:rPr sz="3400" b="1" spc="-150" dirty="0">
-                <a:solidFill>
-                  <a:srgbClr val="FFFFFF"/>
-                </a:solidFill>
-                <a:latin typeface="Tahoma"/>
-                <a:cs typeface="Tahoma"/>
-              </a:rPr>
-              <a:t>5</a:t>
-            </a:r>
-            <a:r>
-              <a:rPr sz="3400" b="1" spc="-1095" dirty="0">
-                <a:solidFill>
-                  <a:srgbClr val="FFFFFF"/>
-                </a:solidFill>
-                <a:latin typeface="Tahoma"/>
-                <a:cs typeface="Tahoma"/>
-              </a:rPr>
-              <a:t>%</a:t>
-            </a:r>
-            <a:endParaRPr sz="3400">
               <a:latin typeface="Tahoma"/>
               <a:cs typeface="Tahoma"/>
             </a:endParaRPr>
@@ -39040,6 +38205,30 @@
           </p:txBody>
         </p:sp>
       </p:grpSp>
+      <p:pic>
+        <p:nvPicPr>
+          <p:cNvPr id="2" name="Picture 1"/>
+          <p:cNvPicPr>
+            <a:picLocks noChangeAspect="1"/>
+          </p:cNvPicPr>
+          <p:nvPr/>
+        </p:nvPicPr>
+        <p:blipFill>
+          <a:blip r:embed="rId2"/>
+          <a:stretch>
+            <a:fillRect/>
+          </a:stretch>
+        </p:blipFill>
+        <p:spPr>
+          <a:xfrm>
+            <a:off x="9609594" y="3915423"/>
+            <a:ext cx="7711051" cy="3742677"/>
+          </a:xfrm>
+          <a:prstGeom prst="rect">
+            <a:avLst/>
+          </a:prstGeom>
+        </p:spPr>
+      </p:pic>
     </p:spTree>
   </p:cSld>
   <p:clrMapOvr>
@@ -41566,143 +40755,6 @@
           </a:p>
         </p:txBody>
       </p:sp>
-      <p:grpSp>
-        <p:nvGrpSpPr>
-          <p:cNvPr id="10" name="object 10"/>
-          <p:cNvGrpSpPr/>
-          <p:nvPr/>
-        </p:nvGrpSpPr>
-        <p:grpSpPr>
-          <a:xfrm>
-            <a:off x="9246387" y="2784026"/>
-            <a:ext cx="7741259" cy="7363882"/>
-            <a:chOff x="9679926" y="2784026"/>
-            <a:chExt cx="7307720" cy="7363882"/>
-          </a:xfrm>
-        </p:grpSpPr>
-        <p:pic>
-          <p:nvPicPr>
-            <p:cNvPr id="11" name="object 11"/>
-            <p:cNvPicPr/>
-            <p:nvPr/>
-          </p:nvPicPr>
-          <p:blipFill>
-            <a:blip r:embed="rId2" cstate="print"/>
-            <a:stretch>
-              <a:fillRect/>
-            </a:stretch>
-          </p:blipFill>
-          <p:spPr>
-            <a:xfrm>
-              <a:off x="9679926" y="2784026"/>
-              <a:ext cx="7307720" cy="7363882"/>
-            </a:xfrm>
-            <a:prstGeom prst="rect">
-              <a:avLst/>
-            </a:prstGeom>
-          </p:spPr>
-        </p:pic>
-        <p:sp>
-          <p:nvSpPr>
-            <p:cNvPr id="12" name="object 12"/>
-            <p:cNvSpPr/>
-            <p:nvPr/>
-          </p:nvSpPr>
-          <p:spPr>
-            <a:xfrm>
-              <a:off x="11768344" y="3297309"/>
-              <a:ext cx="257175" cy="266700"/>
-            </a:xfrm>
-            <a:custGeom>
-              <a:avLst/>
-              <a:gdLst/>
-              <a:ahLst/>
-              <a:cxnLst/>
-              <a:rect l="l" t="t" r="r" b="b"/>
-              <a:pathLst>
-                <a:path w="257175" h="266700">
-                  <a:moveTo>
-                    <a:pt x="257144" y="266699"/>
-                  </a:moveTo>
-                  <a:lnTo>
-                    <a:pt x="0" y="266699"/>
-                  </a:lnTo>
-                  <a:lnTo>
-                    <a:pt x="0" y="0"/>
-                  </a:lnTo>
-                  <a:lnTo>
-                    <a:pt x="257144" y="0"/>
-                  </a:lnTo>
-                  <a:lnTo>
-                    <a:pt x="257144" y="266699"/>
-                  </a:lnTo>
-                  <a:close/>
-                </a:path>
-              </a:pathLst>
-            </a:custGeom>
-            <a:solidFill>
-              <a:srgbClr val="FF4242"/>
-            </a:solidFill>
-          </p:spPr>
-          <p:txBody>
-            <a:bodyPr wrap="square" lIns="0" tIns="0" rIns="0" bIns="0" rtlCol="0"/>
-            <a:lstStyle/>
-            <a:p>
-              <a:endParaRPr/>
-            </a:p>
-          </p:txBody>
-        </p:sp>
-        <p:sp>
-          <p:nvSpPr>
-            <p:cNvPr id="13" name="object 13"/>
-            <p:cNvSpPr/>
-            <p:nvPr/>
-          </p:nvSpPr>
-          <p:spPr>
-            <a:xfrm>
-              <a:off x="11768344" y="3673521"/>
-              <a:ext cx="257175" cy="266700"/>
-            </a:xfrm>
-            <a:custGeom>
-              <a:avLst/>
-              <a:gdLst/>
-              <a:ahLst/>
-              <a:cxnLst/>
-              <a:rect l="l" t="t" r="r" b="b"/>
-              <a:pathLst>
-                <a:path w="257175" h="266700">
-                  <a:moveTo>
-                    <a:pt x="257144" y="266699"/>
-                  </a:moveTo>
-                  <a:lnTo>
-                    <a:pt x="0" y="266699"/>
-                  </a:lnTo>
-                  <a:lnTo>
-                    <a:pt x="0" y="0"/>
-                  </a:lnTo>
-                  <a:lnTo>
-                    <a:pt x="257144" y="0"/>
-                  </a:lnTo>
-                  <a:lnTo>
-                    <a:pt x="257144" y="266699"/>
-                  </a:lnTo>
-                  <a:close/>
-                </a:path>
-              </a:pathLst>
-            </a:custGeom>
-            <a:solidFill>
-              <a:srgbClr val="6B3FE3"/>
-            </a:solidFill>
-          </p:spPr>
-          <p:txBody>
-            <a:bodyPr wrap="square" lIns="0" tIns="0" rIns="0" bIns="0" rtlCol="0"/>
-            <a:lstStyle/>
-            <a:p>
-              <a:endParaRPr/>
-            </a:p>
-          </p:txBody>
-        </p:sp>
-      </p:grpSp>
       <p:sp>
         <p:nvSpPr>
           <p:cNvPr id="14" name="object 14"/>
@@ -42163,7 +41215,7 @@
               <a:t> </a:t>
             </a:r>
             <a:r>
-              <a:rPr sz="3900" b="1" spc="-185" dirty="0">
+              <a:rPr sz="3900" b="1" spc="-185" dirty="0" smtClean="0">
                 <a:solidFill>
                   <a:srgbClr val="202020"/>
                 </a:solidFill>
@@ -42173,17 +41225,17 @@
               <a:t>2</a:t>
             </a:r>
             <a:r>
-              <a:rPr sz="3900" b="1" dirty="0">
-                <a:solidFill>
-                  <a:srgbClr val="202020"/>
-                </a:solidFill>
-                <a:latin typeface="Tahoma"/>
-                <a:cs typeface="Tahoma"/>
-              </a:rPr>
-              <a:t>6</a:t>
-            </a:r>
-            <a:r>
-              <a:rPr sz="3900" b="1" spc="-1255" dirty="0">
+              <a:rPr lang="en-US" sz="3900" b="1" dirty="0">
+                <a:solidFill>
+                  <a:srgbClr val="202020"/>
+                </a:solidFill>
+                <a:latin typeface="Tahoma"/>
+                <a:cs typeface="Tahoma"/>
+              </a:rPr>
+              <a:t>0</a:t>
+            </a:r>
+            <a:r>
+              <a:rPr sz="3900" b="1" spc="-1255" dirty="0" smtClean="0">
                 <a:solidFill>
                   <a:srgbClr val="202020"/>
                 </a:solidFill>
@@ -42193,7 +41245,7 @@
               <a:t>%</a:t>
             </a:r>
             <a:r>
-              <a:rPr sz="3900" b="1" spc="-75" dirty="0">
+              <a:rPr sz="3900" b="1" spc="-75" dirty="0" smtClean="0">
                 <a:solidFill>
                   <a:srgbClr val="202020"/>
                 </a:solidFill>
@@ -42453,122 +41505,54 @@
           </a:p>
         </p:txBody>
       </p:sp>
-      <p:sp>
-        <p:nvSpPr>
-          <p:cNvPr id="18" name="object 18"/>
-          <p:cNvSpPr txBox="1"/>
+      <p:pic>
+        <p:nvPicPr>
+          <p:cNvPr id="2" name="Picture 1"/>
+          <p:cNvPicPr>
+            <a:picLocks noChangeAspect="1"/>
+          </p:cNvPicPr>
           <p:nvPr/>
-        </p:nvSpPr>
+        </p:nvPicPr>
+        <p:blipFill>
+          <a:blip r:embed="rId2"/>
+          <a:stretch>
+            <a:fillRect/>
+          </a:stretch>
+        </p:blipFill>
         <p:spPr>
           <a:xfrm>
-            <a:off x="12198406" y="3140104"/>
-            <a:ext cx="1135380" cy="838200"/>
+            <a:off x="9372601" y="2933700"/>
+            <a:ext cx="8437744" cy="6705600"/>
           </a:xfrm>
           <a:prstGeom prst="rect">
             <a:avLst/>
           </a:prstGeom>
         </p:spPr>
-        <p:txBody>
-          <a:bodyPr vert="horz" wrap="square" lIns="0" tIns="12700" rIns="0" bIns="0" rtlCol="0">
-            <a:spAutoFit/>
-          </a:bodyPr>
-          <a:lstStyle/>
-          <a:p>
-            <a:pPr marL="31750" marR="5080" indent="-19685">
-              <a:lnSpc>
-                <a:spcPct val="133300"/>
-              </a:lnSpc>
-              <a:spcBef>
-                <a:spcPts val="100"/>
-              </a:spcBef>
-            </a:pPr>
-            <a:r>
-              <a:rPr sz="2000" spc="-90" dirty="0">
-                <a:solidFill>
-                  <a:srgbClr val="202020"/>
-                </a:solidFill>
-                <a:latin typeface="Lucida Sans Unicode"/>
-                <a:cs typeface="Lucida Sans Unicode"/>
-              </a:rPr>
-              <a:t>Casual </a:t>
-            </a:r>
-            <a:r>
-              <a:rPr sz="2000" spc="-85" dirty="0">
-                <a:solidFill>
-                  <a:srgbClr val="202020"/>
-                </a:solidFill>
-                <a:latin typeface="Lucida Sans Unicode"/>
-                <a:cs typeface="Lucida Sans Unicode"/>
-              </a:rPr>
-              <a:t> </a:t>
-            </a:r>
-            <a:r>
-              <a:rPr sz="2000" spc="-5" dirty="0">
-                <a:solidFill>
-                  <a:srgbClr val="202020"/>
-                </a:solidFill>
-                <a:latin typeface="Lucida Sans Unicode"/>
-                <a:cs typeface="Lucida Sans Unicode"/>
-              </a:rPr>
-              <a:t>M</a:t>
-            </a:r>
-            <a:r>
-              <a:rPr sz="2000" spc="-25" dirty="0">
-                <a:solidFill>
-                  <a:srgbClr val="202020"/>
-                </a:solidFill>
-                <a:latin typeface="Lucida Sans Unicode"/>
-                <a:cs typeface="Lucida Sans Unicode"/>
-              </a:rPr>
-              <a:t>e</a:t>
-            </a:r>
-            <a:r>
-              <a:rPr sz="2000" spc="-90" dirty="0">
-                <a:solidFill>
-                  <a:srgbClr val="202020"/>
-                </a:solidFill>
-                <a:latin typeface="Lucida Sans Unicode"/>
-                <a:cs typeface="Lucida Sans Unicode"/>
-              </a:rPr>
-              <a:t>mb</a:t>
-            </a:r>
-            <a:r>
-              <a:rPr sz="2000" spc="-25" dirty="0">
-                <a:solidFill>
-                  <a:srgbClr val="202020"/>
-                </a:solidFill>
-                <a:latin typeface="Lucida Sans Unicode"/>
-                <a:cs typeface="Lucida Sans Unicode"/>
-              </a:rPr>
-              <a:t>e</a:t>
-            </a:r>
-            <a:r>
-              <a:rPr sz="2000" spc="-45" dirty="0">
-                <a:solidFill>
-                  <a:srgbClr val="202020"/>
-                </a:solidFill>
-                <a:latin typeface="Lucida Sans Unicode"/>
-                <a:cs typeface="Lucida Sans Unicode"/>
-              </a:rPr>
-              <a:t>r</a:t>
-            </a:r>
-            <a:r>
-              <a:rPr sz="2000" spc="-90" dirty="0">
-                <a:solidFill>
-                  <a:srgbClr val="202020"/>
-                </a:solidFill>
-                <a:latin typeface="Lucida Sans Unicode"/>
-                <a:cs typeface="Lucida Sans Unicode"/>
-              </a:rPr>
-              <a:t>s</a:t>
-            </a:r>
-            <a:endParaRPr sz="2000">
-              <a:latin typeface="Lucida Sans Unicode"/>
-              <a:cs typeface="Lucida Sans Unicode"/>
-            </a:endParaRPr>
-          </a:p>
-        </p:txBody>
-      </p:sp>
+      </p:pic>
+      <p:pic>
+        <p:nvPicPr>
+          <p:cNvPr id="5" name="Picture 4"/>
+          <p:cNvPicPr>
+            <a:picLocks noChangeAspect="1"/>
+          </p:cNvPicPr>
+          <p:nvPr/>
+        </p:nvPicPr>
+        <p:blipFill>
+          <a:blip r:embed="rId3"/>
+          <a:stretch>
+            <a:fillRect/>
+          </a:stretch>
+        </p:blipFill>
+        <p:spPr>
+          <a:xfrm>
+            <a:off x="11734800" y="3235346"/>
+            <a:ext cx="2133600" cy="993754"/>
+          </a:xfrm>
+          <a:prstGeom prst="rect">
+            <a:avLst/>
+          </a:prstGeom>
+        </p:spPr>
+      </p:pic>
     </p:spTree>
   </p:cSld>
   <p:clrMapOvr>
@@ -43474,28 +42458,6 @@
           </a:p>
         </p:txBody>
       </p:sp>
-      <p:pic>
-        <p:nvPicPr>
-          <p:cNvPr id="10" name="object 10"/>
-          <p:cNvPicPr/>
-          <p:nvPr/>
-        </p:nvPicPr>
-        <p:blipFill>
-          <a:blip r:embed="rId2" cstate="print"/>
-          <a:stretch>
-            <a:fillRect/>
-          </a:stretch>
-        </p:blipFill>
-        <p:spPr>
-          <a:xfrm>
-            <a:off x="10153180" y="3829897"/>
-            <a:ext cx="6474783" cy="5922765"/>
-          </a:xfrm>
-          <a:prstGeom prst="rect">
-            <a:avLst/>
-          </a:prstGeom>
-        </p:spPr>
-      </p:pic>
       <p:sp>
         <p:nvSpPr>
           <p:cNvPr id="11" name="object 11"/>
@@ -43553,7 +42515,7 @@
         <p:spPr>
           <a:xfrm>
             <a:off x="1365403" y="3675334"/>
-            <a:ext cx="7346950" cy="3430904"/>
+            <a:ext cx="7346950" cy="3436454"/>
           </a:xfrm>
           <a:prstGeom prst="rect">
             <a:avLst/>
@@ -43574,17 +42536,17 @@
               </a:spcBef>
             </a:pPr>
             <a:r>
-              <a:rPr sz="3900" b="1" spc="45" dirty="0">
-                <a:solidFill>
-                  <a:srgbClr val="202020"/>
-                </a:solidFill>
-                <a:latin typeface="Tahoma"/>
-                <a:cs typeface="Tahoma"/>
-              </a:rPr>
-              <a:t>July,</a:t>
-            </a:r>
-            <a:r>
-              <a:rPr sz="3900" b="1" spc="-60" dirty="0">
+              <a:rPr lang="en-US" sz="3900" b="1" spc="45" dirty="0" smtClean="0">
+                <a:solidFill>
+                  <a:srgbClr val="202020"/>
+                </a:solidFill>
+                <a:latin typeface="Tahoma"/>
+                <a:cs typeface="Tahoma"/>
+              </a:rPr>
+              <a:t>May, June</a:t>
+            </a:r>
+            <a:r>
+              <a:rPr sz="3900" b="1" spc="-60" dirty="0" smtClean="0">
                 <a:solidFill>
                   <a:srgbClr val="202020"/>
                 </a:solidFill>
@@ -43594,17 +42556,17 @@
               <a:t> </a:t>
             </a:r>
             <a:r>
-              <a:rPr sz="3900" b="1" spc="180" dirty="0">
-                <a:solidFill>
-                  <a:srgbClr val="202020"/>
-                </a:solidFill>
-                <a:latin typeface="Tahoma"/>
-                <a:cs typeface="Tahoma"/>
-              </a:rPr>
-              <a:t>August</a:t>
-            </a:r>
-            <a:r>
-              <a:rPr sz="3900" b="1" spc="-60" dirty="0">
+              <a:rPr sz="3900" spc="355" dirty="0">
+                <a:solidFill>
+                  <a:srgbClr val="202020"/>
+                </a:solidFill>
+                <a:latin typeface="Tahoma"/>
+                <a:cs typeface="Tahoma"/>
+              </a:rPr>
+              <a:t>and</a:t>
+            </a:r>
+            <a:r>
+              <a:rPr sz="3900" spc="-140" dirty="0">
                 <a:solidFill>
                   <a:srgbClr val="202020"/>
                 </a:solidFill>
@@ -43614,51 +42576,24 @@
               <a:t> </a:t>
             </a:r>
             <a:r>
-              <a:rPr sz="3900" spc="355" dirty="0">
-                <a:solidFill>
-                  <a:srgbClr val="202020"/>
-                </a:solidFill>
-                <a:latin typeface="Tahoma"/>
-                <a:cs typeface="Tahoma"/>
-              </a:rPr>
-              <a:t>and</a:t>
-            </a:r>
-            <a:r>
-              <a:rPr sz="3900" spc="-140" dirty="0">
-                <a:solidFill>
-                  <a:srgbClr val="202020"/>
-                </a:solidFill>
+              <a:rPr lang="en-US" sz="3900" b="1" spc="150" dirty="0" smtClean="0">
+                <a:solidFill>
+                  <a:srgbClr val="202020"/>
+                </a:solidFill>
+                <a:latin typeface="Tahoma"/>
+                <a:cs typeface="Tahoma"/>
+              </a:rPr>
+              <a:t>July</a:t>
+            </a:r>
+            <a:r>
+              <a:rPr lang="en-US" sz="3900" dirty="0">
                 <a:latin typeface="Tahoma"/>
                 <a:cs typeface="Tahoma"/>
               </a:rPr>
               <a:t> </a:t>
             </a:r>
             <a:r>
-              <a:rPr sz="3900" b="1" spc="150" dirty="0">
-                <a:solidFill>
-                  <a:srgbClr val="202020"/>
-                </a:solidFill>
-                <a:latin typeface="Tahoma"/>
-                <a:cs typeface="Tahoma"/>
-              </a:rPr>
-              <a:t>September</a:t>
-            </a:r>
-            <a:endParaRPr sz="3900">
-              <a:latin typeface="Tahoma"/>
-              <a:cs typeface="Tahoma"/>
-            </a:endParaRPr>
-          </a:p>
-          <a:p>
-            <a:pPr marL="12700">
-              <a:lnSpc>
-                <a:spcPct val="100000"/>
-              </a:lnSpc>
-              <a:spcBef>
-                <a:spcPts val="944"/>
-              </a:spcBef>
-            </a:pPr>
-            <a:r>
-              <a:rPr sz="3900" spc="160" dirty="0">
+              <a:rPr sz="3900" spc="160" dirty="0" smtClean="0">
                 <a:solidFill>
                   <a:srgbClr val="202020"/>
                 </a:solidFill>
@@ -43668,7 +42603,7 @@
               <a:t>are</a:t>
             </a:r>
             <a:r>
-              <a:rPr sz="3900" spc="-180" dirty="0">
+              <a:rPr sz="3900" spc="-180" dirty="0" smtClean="0">
                 <a:solidFill>
                   <a:srgbClr val="202020"/>
                 </a:solidFill>
@@ -43707,7 +42642,7 @@
               </a:rPr>
               <a:t>months.</a:t>
             </a:r>
-            <a:endParaRPr sz="3900">
+            <a:endParaRPr sz="3900" dirty="0">
               <a:latin typeface="Tahoma"/>
               <a:cs typeface="Tahoma"/>
             </a:endParaRPr>
@@ -43721,7 +42656,7 @@
                 <a:spcPts val="25"/>
               </a:spcBef>
             </a:pPr>
-            <a:endParaRPr sz="3550">
+            <a:endParaRPr sz="3550" dirty="0">
               <a:latin typeface="Tahoma"/>
               <a:cs typeface="Tahoma"/>
             </a:endParaRPr>
@@ -43833,7 +42768,7 @@
               <a:t> </a:t>
             </a:r>
             <a:r>
-              <a:rPr sz="3900" b="1" spc="110" dirty="0">
+              <a:rPr sz="3900" b="1" spc="110" dirty="0" err="1">
                 <a:solidFill>
                   <a:srgbClr val="202020"/>
                 </a:solidFill>
@@ -43853,37 +42788,7 @@
               <a:t> </a:t>
             </a:r>
             <a:r>
-              <a:rPr sz="3900" spc="355" dirty="0">
-                <a:solidFill>
-                  <a:srgbClr val="202020"/>
-                </a:solidFill>
-                <a:latin typeface="Tahoma"/>
-                <a:cs typeface="Tahoma"/>
-              </a:rPr>
-              <a:t>and</a:t>
-            </a:r>
-            <a:r>
-              <a:rPr sz="3900" spc="-160" dirty="0">
-                <a:solidFill>
-                  <a:srgbClr val="202020"/>
-                </a:solidFill>
-                <a:latin typeface="Tahoma"/>
-                <a:cs typeface="Tahoma"/>
-              </a:rPr>
-              <a:t> </a:t>
-            </a:r>
-            <a:r>
-              <a:rPr sz="3900" b="1" spc="125" dirty="0">
-                <a:solidFill>
-                  <a:srgbClr val="202020"/>
-                </a:solidFill>
-                <a:latin typeface="Tahoma"/>
-                <a:cs typeface="Tahoma"/>
-              </a:rPr>
-              <a:t>December</a:t>
-            </a:r>
-            <a:r>
-              <a:rPr sz="3900" spc="125" dirty="0">
+              <a:rPr sz="3900" spc="125" dirty="0" smtClean="0">
                 <a:solidFill>
                   <a:srgbClr val="202020"/>
                 </a:solidFill>
@@ -43892,7 +42797,7 @@
               </a:rPr>
               <a:t>.</a:t>
             </a:r>
-            <a:endParaRPr sz="3900">
+            <a:endParaRPr sz="3900" dirty="0">
               <a:latin typeface="Tahoma"/>
               <a:cs typeface="Tahoma"/>
             </a:endParaRPr>
@@ -44025,6 +42930,30 @@
           </a:p>
         </p:txBody>
       </p:sp>
+      <p:pic>
+        <p:nvPicPr>
+          <p:cNvPr id="2" name="Picture 1"/>
+          <p:cNvPicPr>
+            <a:picLocks noChangeAspect="1"/>
+          </p:cNvPicPr>
+          <p:nvPr/>
+        </p:nvPicPr>
+        <p:blipFill>
+          <a:blip r:embed="rId2"/>
+          <a:stretch>
+            <a:fillRect/>
+          </a:stretch>
+        </p:blipFill>
+        <p:spPr>
+          <a:xfrm>
+            <a:off x="10045937" y="3949090"/>
+            <a:ext cx="7460763" cy="4353533"/>
+          </a:xfrm>
+          <a:prstGeom prst="rect">
+            <a:avLst/>
+          </a:prstGeom>
+        </p:spPr>
+      </p:pic>
     </p:spTree>
   </p:cSld>
   <p:clrMapOvr>
